--- a/Sizimikko/発表スライド.pptx
+++ b/Sizimikko/発表スライド.pptx
@@ -121,6 +121,9 @@
     <p:ext uri="{EFAFB233-063F-42B5-8137-9DF3F51BA10A}">
       <p15:sldGuideLst xmlns:p15="http://schemas.microsoft.com/office/powerpoint/2012/main"/>
     </p:ext>
+    <p:ext uri="{2D200454-40CA-4A62-9FC3-DE9A4176ACB9}">
+      <p15:notesGuideLst xmlns:p15="http://schemas.microsoft.com/office/powerpoint/2012/main"/>
+    </p:ext>
   </p:extLst>
 </p:presentation>
 </file>
@@ -1078,19 +1081,6 @@
           <a:p>
             <a:r>
               <a:rPr kumimoji="1" lang="ja-JP" altLang="en-US" dirty="0"/>
-              <a:t>片岡　</a:t>
-            </a:r>
-            <a:endParaRPr kumimoji="1" lang="en-US" altLang="ja-JP" dirty="0"/>
-          </a:p>
-          <a:p>
-            <a:endParaRPr kumimoji="1" lang="en-US" altLang="ja-JP" dirty="0"/>
-          </a:p>
-          <a:p>
-            <a:endParaRPr kumimoji="1" lang="en-US" altLang="ja-JP" dirty="0"/>
-          </a:p>
-          <a:p>
-            <a:r>
-              <a:rPr kumimoji="1" lang="ja-JP" altLang="en-US" dirty="0"/>
               <a:t>山根</a:t>
             </a:r>
             <a:endParaRPr kumimoji="1" lang="en-US" altLang="ja-JP" dirty="0"/>
@@ -1119,6 +1109,56 @@
               <a:rPr kumimoji="1" lang="ja-JP" altLang="en-US" dirty="0"/>
               <a:t>橋本</a:t>
             </a:r>
+            <a:endParaRPr kumimoji="1" lang="en-US" altLang="ja-JP" dirty="0"/>
+          </a:p>
+          <a:p>
+            <a:endParaRPr kumimoji="1" lang="en-US" altLang="ja-JP" dirty="0"/>
+          </a:p>
+          <a:p>
+            <a:endParaRPr kumimoji="1" lang="en-US" altLang="ja-JP" dirty="0"/>
+          </a:p>
+          <a:p>
+            <a:r>
+              <a:rPr kumimoji="1" lang="ja-JP" altLang="en-US" dirty="0"/>
+              <a:t>片岡　　私たちのチーム</a:t>
+            </a:r>
+            <a:r>
+              <a:rPr kumimoji="1" lang="ja-JP" altLang="en-US"/>
+              <a:t>は、僕を含め、</a:t>
+            </a:r>
+            <a:r>
+              <a:rPr kumimoji="1" lang="en-US" altLang="ja-JP"/>
+              <a:t>Ruby</a:t>
+            </a:r>
+            <a:r>
+              <a:rPr kumimoji="1" lang="ja-JP" altLang="en-US" dirty="0"/>
+              <a:t>を全く知らない人ばかりでなおかつ、プログラミング経験が浅かったので、最初は中々苦労しました。</a:t>
+            </a:r>
+            <a:endParaRPr kumimoji="1" lang="en-US" altLang="ja-JP" dirty="0"/>
+          </a:p>
+          <a:p>
+            <a:r>
+              <a:rPr kumimoji="1" lang="ja-JP" altLang="en-US" dirty="0"/>
+              <a:t>僕が、唯一ゲームを作ったことがあったので、教える役になりながら、それぞれが得意なところは任せつつ、とてもいい立ち回りで無事開発を終えることが出来たと思います。</a:t>
+            </a:r>
+            <a:endParaRPr kumimoji="1" lang="en-US" altLang="ja-JP" dirty="0"/>
+          </a:p>
+          <a:p>
+            <a:r>
+              <a:rPr kumimoji="1" lang="ja-JP" altLang="en-US" dirty="0"/>
+              <a:t>特に、皆の士気が高く教えたこともどんどん理解してくれるので、とても楽しく、自分の勉強にもなりいい合宿でした。ただ、まだ個人的には後半急いで開発した部分があり</a:t>
+            </a:r>
+            <a:endParaRPr kumimoji="1" lang="en-US" altLang="ja-JP" dirty="0"/>
+          </a:p>
+          <a:p>
+            <a:r>
+              <a:rPr kumimoji="1" lang="ja-JP" altLang="en-US" dirty="0"/>
+              <a:t>コードが汚くなってしまったので、帰ってリファクタリングしたいなと思います。</a:t>
+            </a:r>
+            <a:endParaRPr kumimoji="1" lang="en-US" altLang="ja-JP" dirty="0"/>
+          </a:p>
+          <a:p>
+            <a:endParaRPr kumimoji="1" lang="ja-JP" altLang="en-US" dirty="0"/>
           </a:p>
         </p:txBody>
       </p:sp>

--- a/Sizimikko/発表スライド.pptx
+++ b/Sizimikko/発表スライド.pptx
@@ -236,7 +236,7 @@
           <a:p>
             <a:fld id="{D7DF4DFB-37D7-4DBB-B070-063CDEE8415B}" type="datetimeFigureOut">
               <a:rPr kumimoji="1" lang="ja-JP" altLang="en-US" smtClean="0"/>
-              <a:t>2019/8/22</a:t>
+              <a:t>2019/8/23</a:t>
             </a:fld>
             <a:endParaRPr kumimoji="1" lang="ja-JP" altLang="en-US" dirty="0"/>
           </a:p>
@@ -1086,6 +1086,10 @@
             <a:endParaRPr kumimoji="1" lang="en-US" altLang="ja-JP" dirty="0"/>
           </a:p>
           <a:p>
+            <a:r>
+              <a:rPr kumimoji="1" lang="ja-JP" altLang="en-US"/>
+              <a:t>今回の活動でプログラミングで物を作るのは初めてだったためゲームを完成させたことも大きな成果でしたが、それよりもプログラミングの楽しさや奥深さを垣間見ることが出来たのが大きかった。</a:t>
+            </a:r>
             <a:endParaRPr kumimoji="1" lang="en-US" altLang="ja-JP" dirty="0"/>
           </a:p>
           <a:p>
@@ -1120,14 +1124,10 @@
           <a:p>
             <a:r>
               <a:rPr kumimoji="1" lang="ja-JP" altLang="en-US" dirty="0"/>
-              <a:t>片岡　　私たちのチーム</a:t>
-            </a:r>
-            <a:r>
-              <a:rPr kumimoji="1" lang="ja-JP" altLang="en-US"/>
-              <a:t>は、僕を含め、</a:t>
-            </a:r>
-            <a:r>
-              <a:rPr kumimoji="1" lang="en-US" altLang="ja-JP"/>
+              <a:t>片岡　　私たちのチームは、僕を含め、</a:t>
+            </a:r>
+            <a:r>
+              <a:rPr kumimoji="1" lang="en-US" altLang="ja-JP" dirty="0"/>
               <a:t>Ruby</a:t>
             </a:r>
             <a:r>
@@ -1386,7 +1386,7 @@
           <a:p>
             <a:fld id="{67AEED90-227F-4421-BE91-802131F0EE3B}" type="datetime1">
               <a:rPr lang="en-US" altLang="ja-JP" smtClean="0"/>
-              <a:t>8/22/2019</a:t>
+              <a:t>8/23/2019</a:t>
             </a:fld>
             <a:endParaRPr lang="en-US" dirty="0"/>
           </a:p>
@@ -1720,7 +1720,7 @@
           <a:p>
             <a:fld id="{00B0DCF8-ED88-495D-BAB3-891868F98456}" type="datetime1">
               <a:rPr lang="en-US" altLang="ja-JP" smtClean="0"/>
-              <a:t>8/22/2019</a:t>
+              <a:t>8/23/2019</a:t>
             </a:fld>
             <a:endParaRPr lang="en-US" dirty="0"/>
           </a:p>
@@ -2117,7 +2117,7 @@
           <a:p>
             <a:fld id="{5D11A376-36C0-40FB-BA58-911A86539641}" type="datetime1">
               <a:rPr lang="en-US" altLang="ja-JP" smtClean="0"/>
-              <a:t>8/22/2019</a:t>
+              <a:t>8/23/2019</a:t>
             </a:fld>
             <a:endParaRPr lang="en-US" dirty="0"/>
           </a:p>
@@ -2449,7 +2449,7 @@
           <a:p>
             <a:fld id="{F44E7578-F698-47B3-BCB3-DF4A85096ABE}" type="datetime1">
               <a:rPr lang="en-US" altLang="ja-JP" smtClean="0"/>
-              <a:t>8/22/2019</a:t>
+              <a:t>8/23/2019</a:t>
             </a:fld>
             <a:endParaRPr lang="en-US" dirty="0"/>
           </a:p>
@@ -2765,7 +2765,7 @@
           <a:p>
             <a:fld id="{1084070E-E6E9-4A6B-9D0D-2847419A0B5E}" type="datetime1">
               <a:rPr lang="en-US" altLang="ja-JP" smtClean="0"/>
-              <a:t>8/22/2019</a:t>
+              <a:t>8/23/2019</a:t>
             </a:fld>
             <a:endParaRPr lang="en-US" dirty="0"/>
           </a:p>
@@ -3157,7 +3157,7 @@
           <a:p>
             <a:fld id="{EDC89777-83D2-4355-8BC8-FD8D937E2111}" type="datetime1">
               <a:rPr lang="en-US" altLang="ja-JP" smtClean="0"/>
-              <a:t>8/22/2019</a:t>
+              <a:t>8/23/2019</a:t>
             </a:fld>
             <a:endParaRPr lang="en-US" dirty="0"/>
           </a:p>
@@ -3442,7 +3442,7 @@
           <a:p>
             <a:fld id="{E3CF7EEF-8BF2-4674-82DE-C86D8DF8026E}" type="datetime1">
               <a:rPr lang="en-US" altLang="ja-JP" smtClean="0"/>
-              <a:t>8/22/2019</a:t>
+              <a:t>8/23/2019</a:t>
             </a:fld>
             <a:endParaRPr lang="en-US" dirty="0"/>
           </a:p>
@@ -3732,7 +3732,7 @@
           <a:p>
             <a:fld id="{373F7300-2803-411F-86E3-368B2A346C0A}" type="datetime1">
               <a:rPr lang="en-US" altLang="ja-JP" smtClean="0"/>
-              <a:t>8/22/2019</a:t>
+              <a:t>8/23/2019</a:t>
             </a:fld>
             <a:endParaRPr lang="en-US" dirty="0"/>
           </a:p>
@@ -4022,7 +4022,7 @@
           <a:p>
             <a:fld id="{6354FF27-E3EC-45AF-9A1A-533D559AC593}" type="datetime1">
               <a:rPr lang="en-US" altLang="ja-JP" smtClean="0"/>
-              <a:t>8/22/2019</a:t>
+              <a:t>8/23/2019</a:t>
             </a:fld>
             <a:endParaRPr lang="en-US" dirty="0"/>
           </a:p>
@@ -4347,7 +4347,7 @@
           <a:p>
             <a:fld id="{24D4574B-AEBD-4361-9D76-E32264661CB1}" type="datetime1">
               <a:rPr lang="en-US" altLang="ja-JP" smtClean="0"/>
-              <a:t>8/22/2019</a:t>
+              <a:t>8/23/2019</a:t>
             </a:fld>
             <a:endParaRPr lang="en-US" dirty="0"/>
           </a:p>
@@ -4730,7 +4730,7 @@
           <a:p>
             <a:fld id="{B83A1C95-B886-41A8-84A3-143A8F5F59C4}" type="datetime1">
               <a:rPr lang="en-US" altLang="ja-JP" smtClean="0"/>
-              <a:t>8/22/2019</a:t>
+              <a:t>8/23/2019</a:t>
             </a:fld>
             <a:endParaRPr lang="en-US" dirty="0"/>
           </a:p>
@@ -5247,7 +5247,7 @@
           <a:p>
             <a:fld id="{72D49C0E-5F70-4BB0-8251-3FCDA839E03E}" type="datetime1">
               <a:rPr lang="en-US" altLang="ja-JP" smtClean="0"/>
-              <a:t>8/22/2019</a:t>
+              <a:t>8/23/2019</a:t>
             </a:fld>
             <a:endParaRPr lang="en-US" dirty="0"/>
           </a:p>
@@ -5448,7 +5448,7 @@
           <a:p>
             <a:fld id="{594BE4E6-D9E2-42B3-A021-D360C88CF77D}" type="datetime1">
               <a:rPr lang="en-US" altLang="ja-JP" smtClean="0"/>
-              <a:t>8/22/2019</a:t>
+              <a:t>8/23/2019</a:t>
             </a:fld>
             <a:endParaRPr lang="en-US" dirty="0"/>
           </a:p>
@@ -5621,7 +5621,7 @@
           <a:p>
             <a:fld id="{94F54502-C12B-4994-81AA-51645E855DC7}" type="datetime1">
               <a:rPr lang="en-US" altLang="ja-JP" smtClean="0"/>
-              <a:t>8/22/2019</a:t>
+              <a:t>8/23/2019</a:t>
             </a:fld>
             <a:endParaRPr lang="en-US" dirty="0"/>
           </a:p>
@@ -5982,7 +5982,7 @@
           <a:p>
             <a:fld id="{6A0559A9-CCF3-4966-A445-18C522F794D5}" type="datetime1">
               <a:rPr lang="en-US" altLang="ja-JP" smtClean="0"/>
-              <a:t>8/22/2019</a:t>
+              <a:t>8/23/2019</a:t>
             </a:fld>
             <a:endParaRPr lang="en-US" dirty="0"/>
           </a:p>
@@ -6323,7 +6323,7 @@
           <a:p>
             <a:fld id="{3E561C90-3B90-4654-853A-1966826CC07A}" type="datetime1">
               <a:rPr lang="en-US" altLang="ja-JP" smtClean="0"/>
-              <a:t>8/22/2019</a:t>
+              <a:t>8/23/2019</a:t>
             </a:fld>
             <a:endParaRPr lang="en-US" dirty="0"/>
           </a:p>
@@ -8468,7 +8468,7 @@
           <a:p>
             <a:fld id="{43485F51-EB64-43F8-90E0-6C8250EA4896}" type="datetime1">
               <a:rPr lang="en-US" altLang="ja-JP" smtClean="0"/>
-              <a:t>8/22/2019</a:t>
+              <a:t>8/23/2019</a:t>
             </a:fld>
             <a:endParaRPr lang="en-US" dirty="0"/>
           </a:p>
